--- a/techscape.pptx
+++ b/techscape.pptx
@@ -13,10 +13,10 @@
     <p:sldId id="262" r:id="rId5"/>
     <p:sldId id="263" r:id="rId6"/>
     <p:sldId id="264" r:id="rId7"/>
-    <p:sldId id="265" r:id="rId8"/>
-    <p:sldId id="257" r:id="rId9"/>
-    <p:sldId id="258" r:id="rId10"/>
-    <p:sldId id="259" r:id="rId11"/>
+    <p:sldId id="257" r:id="rId8"/>
+    <p:sldId id="258" r:id="rId9"/>
+    <p:sldId id="259" r:id="rId10"/>
+    <p:sldId id="265" r:id="rId11"/>
     <p:sldId id="266" r:id="rId12"/>
   </p:sldIdLst>
   <p:sldSz cx="12192000" cy="6858000"/>
@@ -5065,12 +5065,38 @@
         </p:nvSpPr>
         <p:spPr>
           <a:xfrm>
-            <a:off x="6308090" y="1691005"/>
+            <a:off x="6246495" y="2047240"/>
             <a:ext cx="5181600" cy="4351338"/>
           </a:xfrm>
         </p:spPr>
         <p:txBody>
           <a:bodyPr/>
+          <a:p>
+            <a:r>
+              <a:rPr lang="bg-BG" altLang="en-US">
+                <a:latin typeface="Sylfaen" panose="010A0502050306030303" charset="0"/>
+                <a:cs typeface="Sylfaen" panose="010A0502050306030303" charset="0"/>
+              </a:rPr>
+              <a:t>Усъщестяването на нашата игра става чрез молитва над кода</a:t>
+            </a:r>
+            <a:endParaRPr lang="bg-BG" altLang="en-US">
+              <a:latin typeface="Sylfaen" panose="010A0502050306030303" charset="0"/>
+              <a:cs typeface="Sylfaen" panose="010A0502050306030303" charset="0"/>
+            </a:endParaRPr>
+          </a:p>
+          <a:p>
+            <a:r>
+              <a:rPr lang="bg-BG" altLang="en-US">
+                <a:latin typeface="Sylfaen" panose="010A0502050306030303" charset="0"/>
+                <a:cs typeface="Sylfaen" panose="010A0502050306030303" charset="0"/>
+              </a:rPr>
+              <a:t>Всеки пиксел е изключително внимателно подбран и поставен </a:t>
+            </a:r>
+            <a:endParaRPr lang="bg-BG" altLang="en-US">
+              <a:latin typeface="Sylfaen" panose="010A0502050306030303" charset="0"/>
+              <a:cs typeface="Sylfaen" panose="010A0502050306030303" charset="0"/>
+            </a:endParaRPr>
+          </a:p>
           <a:p>
             <a:endParaRPr lang="bg-BG" altLang="en-US">
               <a:latin typeface="Sylfaen" panose="010A0502050306030303" charset="0"/>
@@ -5116,14 +5142,6 @@
 <file path=ppt/slides/slide6.xml><?xml version="1.0" encoding="utf-8"?>
 <p:sld xmlns:a="http://schemas.openxmlformats.org/drawingml/2006/main" xmlns:r="http://schemas.openxmlformats.org/officeDocument/2006/relationships" xmlns:p="http://schemas.openxmlformats.org/presentationml/2006/main">
   <p:cSld>
-    <p:bg>
-      <p:bgPr>
-        <a:solidFill>
-          <a:srgbClr val="F8BE42"/>
-        </a:solidFill>
-        <a:effectLst/>
-      </p:bgPr>
-    </p:bg>
     <p:spTree>
       <p:nvGrpSpPr>
         <p:cNvPr id="1" name=""/>
@@ -5150,7 +5168,7 @@
                 <a:latin typeface="Sylfaen" panose="010A0502050306030303" charset="0"/>
                 <a:cs typeface="Sylfaen" panose="010A0502050306030303" charset="0"/>
               </a:rPr>
-              <a:t>Демо</a:t>
+              <a:t>Технологии</a:t>
             </a:r>
             <a:endParaRPr lang="bg-BG" altLang="en-US" sz="6600">
               <a:latin typeface="Sylfaen" panose="010A0502050306030303" charset="0"/>
@@ -5169,32 +5187,610 @@
             <p:ph sz="half" idx="1"/>
           </p:nvPr>
         </p:nvSpPr>
-        <p:spPr/>
-        <p:txBody>
-          <a:bodyPr/>
-          <a:p>
-            <a:endParaRPr lang="en-US"/>
-          </a:p>
-        </p:txBody>
-      </p:sp>
-      <p:sp>
-        <p:nvSpPr>
-          <p:cNvPr id="4" name="Content Placeholder 3"/>
-          <p:cNvSpPr>
-            <a:spLocks noGrp="1"/>
-          </p:cNvSpPr>
+        <p:spPr>
+          <a:xfrm>
+            <a:off x="1826260" y="1605915"/>
+            <a:ext cx="5504180" cy="3276600"/>
+          </a:xfrm>
+        </p:spPr>
+        <p:txBody>
+          <a:bodyPr>
+            <a:normAutofit lnSpcReduction="10000"/>
+          </a:bodyPr>
+          <a:p>
+            <a:r>
+              <a:rPr lang="en-US">
+                <a:latin typeface="Sylfaen" panose="010A0502050306030303" charset="0"/>
+                <a:cs typeface="Sylfaen" panose="010A0502050306030303" charset="0"/>
+              </a:rPr>
+              <a:t>Python</a:t>
+            </a:r>
+            <a:endParaRPr lang="en-US">
+              <a:latin typeface="Sylfaen" panose="010A0502050306030303" charset="0"/>
+              <a:cs typeface="Sylfaen" panose="010A0502050306030303" charset="0"/>
+            </a:endParaRPr>
+          </a:p>
+          <a:p>
+            <a:r>
+              <a:rPr lang="en-US">
+                <a:latin typeface="Sylfaen" panose="010A0502050306030303" charset="0"/>
+                <a:cs typeface="Sylfaen" panose="010A0502050306030303" charset="0"/>
+              </a:rPr>
+              <a:t>Pygame</a:t>
+            </a:r>
+            <a:endParaRPr lang="en-US">
+              <a:latin typeface="Sylfaen" panose="010A0502050306030303" charset="0"/>
+              <a:cs typeface="Sylfaen" panose="010A0502050306030303" charset="0"/>
+            </a:endParaRPr>
+          </a:p>
+          <a:p>
+            <a:r>
+              <a:rPr lang="en-US">
+                <a:latin typeface="Sylfaen" panose="010A0502050306030303" charset="0"/>
+                <a:cs typeface="Sylfaen" panose="010A0502050306030303" charset="0"/>
+              </a:rPr>
+              <a:t>Aseprite</a:t>
+            </a:r>
+            <a:endParaRPr lang="en-US">
+              <a:latin typeface="Sylfaen" panose="010A0502050306030303" charset="0"/>
+              <a:cs typeface="Sylfaen" panose="010A0502050306030303" charset="0"/>
+            </a:endParaRPr>
+          </a:p>
+          <a:p>
+            <a:r>
+              <a:rPr lang="bg-BG" altLang="en-US">
+                <a:latin typeface="Sylfaen" panose="010A0502050306030303" charset="0"/>
+                <a:cs typeface="Sylfaen" panose="010A0502050306030303" charset="0"/>
+              </a:rPr>
+              <a:t>Технолофгията на доверието и приятелството</a:t>
+            </a:r>
+            <a:endParaRPr lang="en-US">
+              <a:latin typeface="Sylfaen" panose="010A0502050306030303" charset="0"/>
+              <a:cs typeface="Sylfaen" panose="010A0502050306030303" charset="0"/>
+            </a:endParaRPr>
+          </a:p>
+          <a:p>
+            <a:pPr marL="0" indent="0">
+              <a:buNone/>
+            </a:pPr>
+            <a:endParaRPr lang="en-US"/>
+          </a:p>
+          <a:p>
+            <a:pPr marL="0" indent="0">
+              <a:buNone/>
+            </a:pPr>
+            <a:endParaRPr lang="en-US"/>
+          </a:p>
+          <a:p>
+            <a:pPr marL="0" indent="0">
+              <a:buNone/>
+            </a:pPr>
+            <a:endParaRPr lang="en-US"/>
+          </a:p>
+        </p:txBody>
+      </p:sp>
+      <p:sp>
+        <p:nvSpPr>
+          <p:cNvPr id="4" name="Rectangles 3"/>
+          <p:cNvSpPr/>
+          <p:nvPr/>
+        </p:nvSpPr>
+        <p:spPr>
+          <a:xfrm>
+            <a:off x="8593455" y="0"/>
+            <a:ext cx="3917950" cy="1605915"/>
+          </a:xfrm>
+          <a:prstGeom prst="rect">
+            <a:avLst/>
+          </a:prstGeom>
+          <a:solidFill>
+            <a:srgbClr val="6B6B95"/>
+          </a:solidFill>
+          <a:ln>
+            <a:noFill/>
+          </a:ln>
+        </p:spPr>
+        <p:style>
+          <a:lnRef idx="2">
+            <a:schemeClr val="accent1">
+              <a:shade val="50000"/>
+            </a:schemeClr>
+          </a:lnRef>
+          <a:fillRef idx="1">
+            <a:schemeClr val="accent1"/>
+          </a:fillRef>
+          <a:effectRef idx="0">
+            <a:schemeClr val="accent1"/>
+          </a:effectRef>
+          <a:fontRef idx="minor">
+            <a:schemeClr val="lt1"/>
+          </a:fontRef>
+        </p:style>
+        <p:txBody>
+          <a:bodyPr rtlCol="0" anchor="ctr"/>
+          <a:p>
+            <a:pPr algn="ctr"/>
+            <a:endParaRPr lang="en-US"/>
+          </a:p>
+        </p:txBody>
+      </p:sp>
+      <p:sp>
+        <p:nvSpPr>
+          <p:cNvPr id="5" name="Rectangles 4"/>
+          <p:cNvSpPr/>
+          <p:nvPr/>
+        </p:nvSpPr>
+        <p:spPr>
+          <a:xfrm>
+            <a:off x="10253980" y="765175"/>
+            <a:ext cx="2289175" cy="4015740"/>
+          </a:xfrm>
+          <a:prstGeom prst="rect">
+            <a:avLst/>
+          </a:prstGeom>
+          <a:solidFill>
+            <a:srgbClr val="6B6B95"/>
+          </a:solidFill>
+          <a:ln>
+            <a:noFill/>
+          </a:ln>
+        </p:spPr>
+        <p:style>
+          <a:lnRef idx="2">
+            <a:schemeClr val="accent1">
+              <a:shade val="50000"/>
+            </a:schemeClr>
+          </a:lnRef>
+          <a:fillRef idx="1">
+            <a:schemeClr val="accent1"/>
+          </a:fillRef>
+          <a:effectRef idx="0">
+            <a:schemeClr val="accent1"/>
+          </a:effectRef>
+          <a:fontRef idx="minor">
+            <a:schemeClr val="lt1"/>
+          </a:fontRef>
+        </p:style>
+        <p:txBody>
+          <a:bodyPr rtlCol="0" anchor="ctr"/>
+          <a:p>
+            <a:pPr algn="ctr"/>
+            <a:endParaRPr lang="en-US"/>
+          </a:p>
+        </p:txBody>
+      </p:sp>
+      <p:sp>
+        <p:nvSpPr>
+          <p:cNvPr id="6" name="Rectangles 5"/>
+          <p:cNvSpPr/>
+          <p:nvPr/>
+        </p:nvSpPr>
+        <p:spPr>
+          <a:xfrm>
+            <a:off x="9378950" y="-233680"/>
+            <a:ext cx="3311525" cy="1160145"/>
+          </a:xfrm>
+          <a:prstGeom prst="rect">
+            <a:avLst/>
+          </a:prstGeom>
+          <a:solidFill>
+            <a:srgbClr val="A8A8CB"/>
+          </a:solidFill>
+          <a:ln>
+            <a:noFill/>
+          </a:ln>
+        </p:spPr>
+        <p:style>
+          <a:lnRef idx="2">
+            <a:schemeClr val="accent1">
+              <a:shade val="50000"/>
+            </a:schemeClr>
+          </a:lnRef>
+          <a:fillRef idx="1">
+            <a:schemeClr val="accent1"/>
+          </a:fillRef>
+          <a:effectRef idx="0">
+            <a:schemeClr val="accent1"/>
+          </a:effectRef>
+          <a:fontRef idx="minor">
+            <a:schemeClr val="lt1"/>
+          </a:fontRef>
+        </p:style>
+        <p:txBody>
+          <a:bodyPr rtlCol="0" anchor="ctr"/>
+          <a:p>
+            <a:pPr algn="ctr"/>
+            <a:endParaRPr lang="en-US"/>
+          </a:p>
+        </p:txBody>
+      </p:sp>
+      <p:sp>
+        <p:nvSpPr>
+          <p:cNvPr id="7" name="Rectangles 6"/>
+          <p:cNvSpPr/>
+          <p:nvPr/>
+        </p:nvSpPr>
+        <p:spPr>
+          <a:xfrm>
+            <a:off x="11104245" y="224155"/>
+            <a:ext cx="1554480" cy="3705225"/>
+          </a:xfrm>
+          <a:prstGeom prst="rect">
+            <a:avLst/>
+          </a:prstGeom>
+          <a:solidFill>
+            <a:srgbClr val="A8A8CB"/>
+          </a:solidFill>
+          <a:ln>
+            <a:noFill/>
+          </a:ln>
+        </p:spPr>
+        <p:style>
+          <a:lnRef idx="2">
+            <a:schemeClr val="accent1">
+              <a:shade val="50000"/>
+            </a:schemeClr>
+          </a:lnRef>
+          <a:fillRef idx="1">
+            <a:schemeClr val="accent1"/>
+          </a:fillRef>
+          <a:effectRef idx="0">
+            <a:schemeClr val="accent1"/>
+          </a:effectRef>
+          <a:fontRef idx="minor">
+            <a:schemeClr val="lt1"/>
+          </a:fontRef>
+        </p:style>
+        <p:txBody>
+          <a:bodyPr rtlCol="0" anchor="ctr"/>
+          <a:p>
+            <a:pPr algn="ctr"/>
+            <a:endParaRPr lang="en-US"/>
+          </a:p>
+        </p:txBody>
+      </p:sp>
+      <p:sp>
+        <p:nvSpPr>
+          <p:cNvPr id="8" name="Rectangles 7"/>
+          <p:cNvSpPr/>
+          <p:nvPr/>
+        </p:nvSpPr>
+        <p:spPr>
+          <a:xfrm>
+            <a:off x="-80645" y="3120390"/>
+            <a:ext cx="1553845" cy="3854450"/>
+          </a:xfrm>
+          <a:prstGeom prst="rect">
+            <a:avLst/>
+          </a:prstGeom>
+          <a:solidFill>
+            <a:srgbClr val="7D7DA2"/>
+          </a:solidFill>
+          <a:ln>
+            <a:noFill/>
+          </a:ln>
+        </p:spPr>
+        <p:style>
+          <a:lnRef idx="2">
+            <a:schemeClr val="accent1">
+              <a:shade val="50000"/>
+            </a:schemeClr>
+          </a:lnRef>
+          <a:fillRef idx="1">
+            <a:schemeClr val="accent1"/>
+          </a:fillRef>
+          <a:effectRef idx="0">
+            <a:schemeClr val="accent1"/>
+          </a:effectRef>
+          <a:fontRef idx="minor">
+            <a:schemeClr val="lt1"/>
+          </a:fontRef>
+        </p:style>
+        <p:txBody>
+          <a:bodyPr rtlCol="0" anchor="ctr"/>
+          <a:p>
+            <a:pPr algn="ctr"/>
+            <a:endParaRPr lang="en-US"/>
+          </a:p>
+        </p:txBody>
+      </p:sp>
+      <p:sp>
+        <p:nvSpPr>
+          <p:cNvPr id="9" name="Rectangles 8"/>
+          <p:cNvSpPr/>
+          <p:nvPr/>
+        </p:nvSpPr>
+        <p:spPr>
+          <a:xfrm>
+            <a:off x="636905" y="5010150"/>
+            <a:ext cx="5611495" cy="2172335"/>
+          </a:xfrm>
+          <a:prstGeom prst="rect">
+            <a:avLst/>
+          </a:prstGeom>
+          <a:solidFill>
+            <a:srgbClr val="7D7DA2"/>
+          </a:solidFill>
+          <a:ln>
+            <a:noFill/>
+          </a:ln>
+        </p:spPr>
+        <p:style>
+          <a:lnRef idx="2">
+            <a:schemeClr val="accent1">
+              <a:shade val="50000"/>
+            </a:schemeClr>
+          </a:lnRef>
+          <a:fillRef idx="1">
+            <a:schemeClr val="accent1"/>
+          </a:fillRef>
+          <a:effectRef idx="0">
+            <a:schemeClr val="accent1"/>
+          </a:effectRef>
+          <a:fontRef idx="minor">
+            <a:schemeClr val="lt1"/>
+          </a:fontRef>
+        </p:style>
+        <p:txBody>
+          <a:bodyPr rtlCol="0" anchor="ctr"/>
+          <a:p>
+            <a:pPr algn="ctr"/>
+            <a:endParaRPr lang="en-US"/>
+          </a:p>
+        </p:txBody>
+      </p:sp>
+      <p:sp>
+        <p:nvSpPr>
+          <p:cNvPr id="10" name="Rectangles 9"/>
+          <p:cNvSpPr/>
+          <p:nvPr/>
+        </p:nvSpPr>
+        <p:spPr>
+          <a:xfrm>
+            <a:off x="-314325" y="5592445"/>
+            <a:ext cx="5848985" cy="1883410"/>
+          </a:xfrm>
+          <a:prstGeom prst="rect">
+            <a:avLst/>
+          </a:prstGeom>
+          <a:solidFill>
+            <a:srgbClr val="CACAF4"/>
+          </a:solidFill>
+          <a:ln>
+            <a:noFill/>
+          </a:ln>
+        </p:spPr>
+        <p:style>
+          <a:lnRef idx="2">
+            <a:schemeClr val="accent1">
+              <a:shade val="50000"/>
+            </a:schemeClr>
+          </a:lnRef>
+          <a:fillRef idx="1">
+            <a:schemeClr val="accent1"/>
+          </a:fillRef>
+          <a:effectRef idx="0">
+            <a:schemeClr val="accent1"/>
+          </a:effectRef>
+          <a:fontRef idx="minor">
+            <a:schemeClr val="lt1"/>
+          </a:fontRef>
+        </p:style>
+        <p:txBody>
+          <a:bodyPr rtlCol="0" anchor="ctr"/>
+          <a:p>
+            <a:pPr algn="ctr"/>
+            <a:endParaRPr lang="en-US"/>
+          </a:p>
+        </p:txBody>
+      </p:sp>
+      <p:sp>
+        <p:nvSpPr>
+          <p:cNvPr id="11" name="Rectangles 10"/>
+          <p:cNvSpPr/>
+          <p:nvPr/>
+        </p:nvSpPr>
+        <p:spPr>
+          <a:xfrm>
+            <a:off x="-250190" y="3748405"/>
+            <a:ext cx="1202690" cy="2534285"/>
+          </a:xfrm>
+          <a:prstGeom prst="rect">
+            <a:avLst/>
+          </a:prstGeom>
+          <a:solidFill>
+            <a:srgbClr val="CACAF4"/>
+          </a:solidFill>
+          <a:ln>
+            <a:noFill/>
+          </a:ln>
+        </p:spPr>
+        <p:style>
+          <a:lnRef idx="2">
+            <a:schemeClr val="accent1">
+              <a:shade val="50000"/>
+            </a:schemeClr>
+          </a:lnRef>
+          <a:fillRef idx="1">
+            <a:schemeClr val="accent1"/>
+          </a:fillRef>
+          <a:effectRef idx="0">
+            <a:schemeClr val="accent1"/>
+          </a:effectRef>
+          <a:fontRef idx="minor">
+            <a:schemeClr val="lt1"/>
+          </a:fontRef>
+        </p:style>
+        <p:txBody>
+          <a:bodyPr rtlCol="0" anchor="ctr"/>
+          <a:p>
+            <a:pPr algn="ctr"/>
+            <a:endParaRPr lang="en-US"/>
+          </a:p>
+        </p:txBody>
+      </p:sp>
+      <p:sp>
+        <p:nvSpPr>
+          <p:cNvPr id="13" name="Oval 12"/>
+          <p:cNvSpPr/>
+          <p:nvPr/>
+        </p:nvSpPr>
+        <p:spPr>
+          <a:xfrm>
+            <a:off x="9438640" y="1938020"/>
+            <a:ext cx="2098040" cy="1991360"/>
+          </a:xfrm>
+          <a:prstGeom prst="ellipse">
+            <a:avLst/>
+          </a:prstGeom>
+          <a:solidFill>
+            <a:srgbClr val="9797B4"/>
+          </a:solidFill>
+          <a:ln>
+            <a:noFill/>
+          </a:ln>
+        </p:spPr>
+        <p:style>
+          <a:lnRef idx="2">
+            <a:schemeClr val="accent1">
+              <a:shade val="50000"/>
+            </a:schemeClr>
+          </a:lnRef>
+          <a:fillRef idx="1">
+            <a:schemeClr val="accent1"/>
+          </a:fillRef>
+          <a:effectRef idx="0">
+            <a:schemeClr val="accent1"/>
+          </a:effectRef>
+          <a:fontRef idx="minor">
+            <a:schemeClr val="lt1"/>
+          </a:fontRef>
+        </p:style>
+        <p:txBody>
+          <a:bodyPr rtlCol="0" anchor="ctr"/>
+          <a:p>
+            <a:pPr algn="ctr"/>
+            <a:endParaRPr lang="en-US"/>
+          </a:p>
+        </p:txBody>
+      </p:sp>
+      <p:sp>
+        <p:nvSpPr>
+          <p:cNvPr id="14" name="Oval 13"/>
+          <p:cNvSpPr/>
+          <p:nvPr/>
+        </p:nvSpPr>
+        <p:spPr>
+          <a:xfrm>
+            <a:off x="7330440" y="-169545"/>
+            <a:ext cx="1416050" cy="1372870"/>
+          </a:xfrm>
+          <a:prstGeom prst="ellipse">
+            <a:avLst/>
+          </a:prstGeom>
+          <a:solidFill>
+            <a:srgbClr val="CACAF4"/>
+          </a:solidFill>
+          <a:ln>
+            <a:noFill/>
+          </a:ln>
+        </p:spPr>
+        <p:style>
+          <a:lnRef idx="2">
+            <a:schemeClr val="accent1">
+              <a:shade val="50000"/>
+            </a:schemeClr>
+          </a:lnRef>
+          <a:fillRef idx="1">
+            <a:schemeClr val="accent1"/>
+          </a:fillRef>
+          <a:effectRef idx="0">
+            <a:schemeClr val="accent1"/>
+          </a:effectRef>
+          <a:fontRef idx="minor">
+            <a:schemeClr val="lt1"/>
+          </a:fontRef>
+        </p:style>
+        <p:txBody>
+          <a:bodyPr rtlCol="0" anchor="ctr"/>
+          <a:p>
+            <a:pPr algn="ctr"/>
+            <a:endParaRPr lang="en-US"/>
+          </a:p>
+        </p:txBody>
+      </p:sp>
+      <p:sp>
+        <p:nvSpPr>
+          <p:cNvPr id="15" name="Oval 14"/>
+          <p:cNvSpPr/>
+          <p:nvPr/>
+        </p:nvSpPr>
+        <p:spPr>
+          <a:xfrm>
+            <a:off x="2560320" y="4354830"/>
+            <a:ext cx="2374265" cy="2236470"/>
+          </a:xfrm>
+          <a:prstGeom prst="ellipse">
+            <a:avLst/>
+          </a:prstGeom>
+          <a:solidFill>
+            <a:srgbClr val="6B6B95"/>
+          </a:solidFill>
+          <a:ln>
+            <a:noFill/>
+          </a:ln>
+        </p:spPr>
+        <p:style>
+          <a:lnRef idx="2">
+            <a:schemeClr val="accent1">
+              <a:shade val="50000"/>
+            </a:schemeClr>
+          </a:lnRef>
+          <a:fillRef idx="1">
+            <a:schemeClr val="accent1"/>
+          </a:fillRef>
+          <a:effectRef idx="0">
+            <a:schemeClr val="accent1"/>
+          </a:effectRef>
+          <a:fontRef idx="minor">
+            <a:schemeClr val="lt1"/>
+          </a:fontRef>
+        </p:style>
+        <p:txBody>
+          <a:bodyPr rtlCol="0" anchor="ctr"/>
+          <a:p>
+            <a:pPr algn="ctr"/>
+            <a:endParaRPr lang="en-US"/>
+          </a:p>
+        </p:txBody>
+      </p:sp>
+      <p:pic>
+        <p:nvPicPr>
+          <p:cNvPr id="16" name="Content Placeholder 15" descr="istockphoto-1250436362-612x612"/>
+          <p:cNvPicPr>
+            <a:picLocks noChangeAspect="1"/>
+          </p:cNvPicPr>
           <p:nvPr>
             <p:ph sz="half" idx="2"/>
           </p:nvPr>
-        </p:nvSpPr>
-        <p:spPr/>
-        <p:txBody>
-          <a:bodyPr/>
-          <a:p>
-            <a:endParaRPr lang="en-US"/>
-          </a:p>
-        </p:txBody>
-      </p:sp>
+        </p:nvPicPr>
+        <p:blipFill>
+          <a:blip r:embed="rId1"/>
+          <a:srcRect l="12531" t="10922" r="11324" b="9389"/>
+          <a:stretch>
+            <a:fillRect/>
+          </a:stretch>
+        </p:blipFill>
+        <p:spPr>
+          <a:xfrm>
+            <a:off x="7058025" y="3536315"/>
+            <a:ext cx="2523490" cy="2640965"/>
+          </a:xfrm>
+          <a:prstGeom prst="rect">
+            <a:avLst/>
+          </a:prstGeom>
+        </p:spPr>
+      </p:pic>
     </p:spTree>
   </p:cSld>
   <p:clrMapOvr>
@@ -5223,18 +5819,23 @@
             <p:ph type="title"/>
           </p:nvPr>
         </p:nvSpPr>
-        <p:spPr/>
+        <p:spPr>
+          <a:xfrm>
+            <a:off x="838200" y="156845"/>
+            <a:ext cx="10515600" cy="1325563"/>
+          </a:xfrm>
+        </p:spPr>
         <p:txBody>
           <a:bodyPr/>
           <a:p>
             <a:r>
-              <a:rPr lang="bg-BG" altLang="en-US" sz="6600">
+              <a:rPr lang="bg-BG" sz="6600">
                 <a:latin typeface="Sylfaen" panose="010A0502050306030303" charset="0"/>
                 <a:cs typeface="Sylfaen" panose="010A0502050306030303" charset="0"/>
               </a:rPr>
-              <a:t>Технологии</a:t>
-            </a:r>
-            <a:endParaRPr lang="bg-BG" altLang="en-US" sz="6600">
+              <a:t>Процес на работа</a:t>
+            </a:r>
+            <a:endParaRPr lang="bg-BG" sz="6600">
               <a:latin typeface="Sylfaen" panose="010A0502050306030303" charset="0"/>
               <a:cs typeface="Sylfaen" panose="010A0502050306030303" charset="0"/>
             </a:endParaRPr>
@@ -5253,81 +5854,119 @@
         </p:nvSpPr>
         <p:spPr>
           <a:xfrm>
-            <a:off x="2365375" y="1691005"/>
-            <a:ext cx="3649980" cy="2269490"/>
-          </a:xfrm>
-        </p:spPr>
-        <p:txBody>
-          <a:bodyPr/>
-          <a:p>
-            <a:r>
-              <a:rPr lang="en-US">
+            <a:off x="1689735" y="1637030"/>
+            <a:ext cx="6341110" cy="3017520"/>
+          </a:xfrm>
+        </p:spPr>
+        <p:txBody>
+          <a:bodyPr>
+            <a:normAutofit lnSpcReduction="10000"/>
+          </a:bodyPr>
+          <a:p>
+            <a:r>
+              <a:rPr lang="bg-BG" altLang="en-US">
+                <a:latin typeface="Sylfaen" panose="010A0502050306030303" charset="0"/>
+                <a:cs typeface="Sylfaen" panose="010A0502050306030303" charset="0"/>
+                <a:sym typeface="+mn-ea"/>
+              </a:rPr>
+              <a:t>Ина - арт и дизайн</a:t>
+            </a:r>
+            <a:endParaRPr lang="bg-BG" altLang="en-US">
+              <a:latin typeface="Sylfaen" panose="010A0502050306030303" charset="0"/>
+              <a:cs typeface="Sylfaen" panose="010A0502050306030303" charset="0"/>
+            </a:endParaRPr>
+          </a:p>
+          <a:p>
+            <a:r>
+              <a:rPr lang="bg-BG" altLang="en-US">
                 <a:latin typeface="Sylfaen" panose="010A0502050306030303" charset="0"/>
                 <a:cs typeface="Sylfaen" panose="010A0502050306030303" charset="0"/>
               </a:rPr>
-              <a:t>Python</a:t>
-            </a:r>
-            <a:endParaRPr lang="en-US">
+              <a:t>Никол - код за ниво 1</a:t>
+            </a:r>
+            <a:endParaRPr lang="bg-BG" altLang="en-US">
               <a:latin typeface="Sylfaen" panose="010A0502050306030303" charset="0"/>
               <a:cs typeface="Sylfaen" panose="010A0502050306030303" charset="0"/>
             </a:endParaRPr>
           </a:p>
           <a:p>
             <a:r>
-              <a:rPr lang="en-US">
+              <a:rPr lang="bg-BG" altLang="en-US">
                 <a:latin typeface="Sylfaen" panose="010A0502050306030303" charset="0"/>
                 <a:cs typeface="Sylfaen" panose="010A0502050306030303" charset="0"/>
               </a:rPr>
-              <a:t>Pygame</a:t>
-            </a:r>
-            <a:endParaRPr lang="en-US">
+              <a:t>Милена - код за ниво 2</a:t>
+            </a:r>
+            <a:endParaRPr lang="bg-BG" altLang="en-US">
               <a:latin typeface="Sylfaen" panose="010A0502050306030303" charset="0"/>
               <a:cs typeface="Sylfaen" panose="010A0502050306030303" charset="0"/>
             </a:endParaRPr>
           </a:p>
           <a:p>
             <a:r>
-              <a:rPr lang="en-US">
+              <a:rPr lang="bg-BG" altLang="en-US">
                 <a:latin typeface="Sylfaen" panose="010A0502050306030303" charset="0"/>
                 <a:cs typeface="Sylfaen" panose="010A0502050306030303" charset="0"/>
               </a:rPr>
-              <a:t>Aseprite</a:t>
-            </a:r>
-            <a:endParaRPr lang="en-US">
+              <a:t>Кристин - код за ниво 3</a:t>
+            </a:r>
+            <a:endParaRPr lang="bg-BG" altLang="en-US">
               <a:latin typeface="Sylfaen" panose="010A0502050306030303" charset="0"/>
               <a:cs typeface="Sylfaen" panose="010A0502050306030303" charset="0"/>
             </a:endParaRPr>
           </a:p>
           <a:p>
-            <a:pPr marL="0" indent="0">
-              <a:buNone/>
-            </a:pPr>
-            <a:endParaRPr lang="en-US"/>
-          </a:p>
-          <a:p>
-            <a:pPr marL="0" indent="0">
-              <a:buNone/>
-            </a:pPr>
-            <a:endParaRPr lang="en-US"/>
-          </a:p>
-          <a:p>
-            <a:pPr marL="0" indent="0">
-              <a:buNone/>
-            </a:pPr>
-            <a:endParaRPr lang="en-US"/>
-          </a:p>
-        </p:txBody>
-      </p:sp>
-      <p:sp>
-        <p:nvSpPr>
-          <p:cNvPr id="4" name="Rectangles 3"/>
+            <a:r>
+              <a:rPr lang="bg-BG" altLang="en-US">
+                <a:latin typeface="Sylfaen" panose="010A0502050306030303" charset="0"/>
+                <a:cs typeface="Sylfaen" panose="010A0502050306030303" charset="0"/>
+              </a:rPr>
+              <a:t>Мая - код за ниво 4</a:t>
+            </a:r>
+            <a:endParaRPr lang="bg-BG" altLang="en-US">
+              <a:latin typeface="Sylfaen" panose="010A0502050306030303" charset="0"/>
+              <a:cs typeface="Sylfaen" panose="010A0502050306030303" charset="0"/>
+            </a:endParaRPr>
+          </a:p>
+        </p:txBody>
+      </p:sp>
+      <p:pic>
+        <p:nvPicPr>
+          <p:cNvPr id="16" name="Content Placeholder 15" descr="istockphoto-480343446-612x612"/>
+          <p:cNvPicPr>
+            <a:picLocks noChangeAspect="1"/>
+          </p:cNvPicPr>
+          <p:nvPr>
+            <p:ph sz="half" idx="2"/>
+          </p:nvPr>
+        </p:nvPicPr>
+        <p:blipFill>
+          <a:blip r:embed="rId1"/>
+          <a:srcRect r="45223" b="55800"/>
+          <a:stretch>
+            <a:fillRect/>
+          </a:stretch>
+        </p:blipFill>
+        <p:spPr>
+          <a:xfrm>
+            <a:off x="6410325" y="3053715"/>
+            <a:ext cx="2432050" cy="2002155"/>
+          </a:xfrm>
+          <a:prstGeom prst="rect">
+            <a:avLst/>
+          </a:prstGeom>
+        </p:spPr>
+      </p:pic>
+      <p:sp>
+        <p:nvSpPr>
+          <p:cNvPr id="6" name="Rectangles 5"/>
           <p:cNvSpPr/>
           <p:nvPr/>
         </p:nvSpPr>
         <p:spPr>
           <a:xfrm>
-            <a:off x="8593455" y="0"/>
-            <a:ext cx="3917950" cy="1605915"/>
+            <a:off x="9455150" y="-356235"/>
+            <a:ext cx="2118995" cy="5547360"/>
           </a:xfrm>
           <a:prstGeom prst="rect">
             <a:avLst/>
@@ -5365,14 +6004,14 @@
       </p:sp>
       <p:sp>
         <p:nvSpPr>
-          <p:cNvPr id="5" name="Rectangles 4"/>
+          <p:cNvPr id="7" name="Rectangles 6"/>
           <p:cNvSpPr/>
           <p:nvPr/>
         </p:nvSpPr>
         <p:spPr>
           <a:xfrm>
-            <a:off x="10253980" y="765175"/>
-            <a:ext cx="2289175" cy="4015740"/>
+            <a:off x="11094720" y="-726440"/>
+            <a:ext cx="1384300" cy="4555490"/>
           </a:xfrm>
           <a:prstGeom prst="rect">
             <a:avLst/>
@@ -5410,14 +6049,14 @@
       </p:sp>
       <p:sp>
         <p:nvSpPr>
-          <p:cNvPr id="6" name="Rectangles 5"/>
+          <p:cNvPr id="8" name="Rectangles 7"/>
           <p:cNvSpPr/>
           <p:nvPr/>
         </p:nvSpPr>
         <p:spPr>
           <a:xfrm>
-            <a:off x="9378950" y="-233680"/>
-            <a:ext cx="3311525" cy="1160145"/>
+            <a:off x="448310" y="5513705"/>
+            <a:ext cx="5962015" cy="1842135"/>
           </a:xfrm>
           <a:prstGeom prst="rect">
             <a:avLst/>
@@ -5455,14 +6094,14 @@
       </p:sp>
       <p:sp>
         <p:nvSpPr>
-          <p:cNvPr id="7" name="Rectangles 6"/>
+          <p:cNvPr id="9" name="Rectangles 8"/>
           <p:cNvSpPr/>
           <p:nvPr/>
         </p:nvSpPr>
         <p:spPr>
           <a:xfrm>
-            <a:off x="11104245" y="224155"/>
-            <a:ext cx="1554480" cy="3705225"/>
+            <a:off x="1320165" y="4916805"/>
+            <a:ext cx="3279140" cy="1096645"/>
           </a:xfrm>
           <a:prstGeom prst="rect">
             <a:avLst/>
@@ -5500,104 +6139,14 @@
       </p:sp>
       <p:sp>
         <p:nvSpPr>
-          <p:cNvPr id="8" name="Rectangles 7"/>
-          <p:cNvSpPr/>
-          <p:nvPr/>
-        </p:nvSpPr>
-        <p:spPr>
-          <a:xfrm>
-            <a:off x="-80645" y="3120390"/>
-            <a:ext cx="1553845" cy="3854450"/>
-          </a:xfrm>
-          <a:prstGeom prst="rect">
-            <a:avLst/>
-          </a:prstGeom>
-          <a:solidFill>
-            <a:srgbClr val="7D7DA2"/>
-          </a:solidFill>
-          <a:ln>
-            <a:noFill/>
-          </a:ln>
-        </p:spPr>
-        <p:style>
-          <a:lnRef idx="2">
-            <a:schemeClr val="accent1">
-              <a:shade val="50000"/>
-            </a:schemeClr>
-          </a:lnRef>
-          <a:fillRef idx="1">
-            <a:schemeClr val="accent1"/>
-          </a:fillRef>
-          <a:effectRef idx="0">
-            <a:schemeClr val="accent1"/>
-          </a:effectRef>
-          <a:fontRef idx="minor">
-            <a:schemeClr val="lt1"/>
-          </a:fontRef>
-        </p:style>
-        <p:txBody>
-          <a:bodyPr rtlCol="0" anchor="ctr"/>
-          <a:p>
-            <a:pPr algn="ctr"/>
-            <a:endParaRPr lang="en-US"/>
-          </a:p>
-        </p:txBody>
-      </p:sp>
-      <p:sp>
-        <p:nvSpPr>
-          <p:cNvPr id="9" name="Rectangles 8"/>
-          <p:cNvSpPr/>
-          <p:nvPr/>
-        </p:nvSpPr>
-        <p:spPr>
-          <a:xfrm>
-            <a:off x="636905" y="5010150"/>
-            <a:ext cx="5611495" cy="2172335"/>
-          </a:xfrm>
-          <a:prstGeom prst="rect">
-            <a:avLst/>
-          </a:prstGeom>
-          <a:solidFill>
-            <a:srgbClr val="7D7DA2"/>
-          </a:solidFill>
-          <a:ln>
-            <a:noFill/>
-          </a:ln>
-        </p:spPr>
-        <p:style>
-          <a:lnRef idx="2">
-            <a:schemeClr val="accent1">
-              <a:shade val="50000"/>
-            </a:schemeClr>
-          </a:lnRef>
-          <a:fillRef idx="1">
-            <a:schemeClr val="accent1"/>
-          </a:fillRef>
-          <a:effectRef idx="0">
-            <a:schemeClr val="accent1"/>
-          </a:effectRef>
-          <a:fontRef idx="minor">
-            <a:schemeClr val="lt1"/>
-          </a:fontRef>
-        </p:style>
-        <p:txBody>
-          <a:bodyPr rtlCol="0" anchor="ctr"/>
-          <a:p>
-            <a:pPr algn="ctr"/>
-            <a:endParaRPr lang="en-US"/>
-          </a:p>
-        </p:txBody>
-      </p:sp>
-      <p:sp>
-        <p:nvSpPr>
           <p:cNvPr id="10" name="Rectangles 9"/>
           <p:cNvSpPr/>
           <p:nvPr/>
         </p:nvSpPr>
         <p:spPr>
           <a:xfrm>
-            <a:off x="-314325" y="5592445"/>
-            <a:ext cx="5848985" cy="1883410"/>
+            <a:off x="723900" y="5821680"/>
+            <a:ext cx="5344795" cy="1816735"/>
           </a:xfrm>
           <a:prstGeom prst="rect">
             <a:avLst/>
@@ -5635,61 +6184,16 @@
       </p:sp>
       <p:sp>
         <p:nvSpPr>
-          <p:cNvPr id="11" name="Rectangles 10"/>
+          <p:cNvPr id="12" name="Rectangles 11"/>
           <p:cNvSpPr/>
           <p:nvPr/>
         </p:nvSpPr>
         <p:spPr>
           <a:xfrm>
-            <a:off x="-250190" y="3748405"/>
-            <a:ext cx="1202690" cy="2534285"/>
+            <a:off x="9806305" y="-517525"/>
+            <a:ext cx="1416050" cy="5291455"/>
           </a:xfrm>
           <a:prstGeom prst="rect">
-            <a:avLst/>
-          </a:prstGeom>
-          <a:solidFill>
-            <a:srgbClr val="CACAF4"/>
-          </a:solidFill>
-          <a:ln>
-            <a:noFill/>
-          </a:ln>
-        </p:spPr>
-        <p:style>
-          <a:lnRef idx="2">
-            <a:schemeClr val="accent1">
-              <a:shade val="50000"/>
-            </a:schemeClr>
-          </a:lnRef>
-          <a:fillRef idx="1">
-            <a:schemeClr val="accent1"/>
-          </a:fillRef>
-          <a:effectRef idx="0">
-            <a:schemeClr val="accent1"/>
-          </a:effectRef>
-          <a:fontRef idx="minor">
-            <a:schemeClr val="lt1"/>
-          </a:fontRef>
-        </p:style>
-        <p:txBody>
-          <a:bodyPr rtlCol="0" anchor="ctr"/>
-          <a:p>
-            <a:pPr algn="ctr"/>
-            <a:endParaRPr lang="en-US"/>
-          </a:p>
-        </p:txBody>
-      </p:sp>
-      <p:sp>
-        <p:nvSpPr>
-          <p:cNvPr id="13" name="Oval 12"/>
-          <p:cNvSpPr/>
-          <p:nvPr/>
-        </p:nvSpPr>
-        <p:spPr>
-          <a:xfrm>
-            <a:off x="9438640" y="1938020"/>
-            <a:ext cx="2098040" cy="1991360"/>
-          </a:xfrm>
-          <a:prstGeom prst="ellipse">
             <a:avLst/>
           </a:prstGeom>
           <a:solidFill>
@@ -5725,20 +6229,20 @@
       </p:sp>
       <p:sp>
         <p:nvSpPr>
-          <p:cNvPr id="14" name="Oval 13"/>
+          <p:cNvPr id="13" name="Rectangles 12"/>
           <p:cNvSpPr/>
           <p:nvPr/>
         </p:nvSpPr>
         <p:spPr>
           <a:xfrm>
-            <a:off x="7330440" y="-169545"/>
-            <a:ext cx="1416050" cy="1372870"/>
-          </a:xfrm>
-          <a:prstGeom prst="ellipse">
+            <a:off x="10913745" y="-624205"/>
+            <a:ext cx="1660525" cy="4184015"/>
+          </a:xfrm>
+          <a:prstGeom prst="rect">
             <a:avLst/>
           </a:prstGeom>
           <a:solidFill>
-            <a:srgbClr val="CACAF4"/>
+            <a:srgbClr val="9797B4"/>
           </a:solidFill>
           <a:ln>
             <a:noFill/>
@@ -5770,20 +6274,20 @@
       </p:sp>
       <p:sp>
         <p:nvSpPr>
-          <p:cNvPr id="15" name="Oval 14"/>
+          <p:cNvPr id="14" name="Oval 13"/>
           <p:cNvSpPr/>
           <p:nvPr/>
         </p:nvSpPr>
         <p:spPr>
           <a:xfrm>
-            <a:off x="2560320" y="4354830"/>
-            <a:ext cx="2374265" cy="2236470"/>
+            <a:off x="8569325" y="674370"/>
+            <a:ext cx="2279015" cy="2225675"/>
           </a:xfrm>
           <a:prstGeom prst="ellipse">
             <a:avLst/>
           </a:prstGeom>
           <a:solidFill>
-            <a:srgbClr val="6B6B95"/>
+            <a:srgbClr val="7D7DA2"/>
           </a:solidFill>
           <a:ln>
             <a:noFill/>
@@ -5813,33 +6317,96 @@
           </a:p>
         </p:txBody>
       </p:sp>
-      <p:pic>
-        <p:nvPicPr>
-          <p:cNvPr id="16" name="Content Placeholder 15" descr="istockphoto-1250436362-612x612"/>
-          <p:cNvPicPr>
-            <a:picLocks noChangeAspect="1"/>
-          </p:cNvPicPr>
-          <p:nvPr>
-            <p:ph sz="half" idx="2"/>
-          </p:nvPr>
-        </p:nvPicPr>
-        <p:blipFill>
-          <a:blip r:embed="rId1"/>
-          <a:srcRect l="12531" t="10922" r="11324" b="9389"/>
-          <a:stretch>
-            <a:fillRect/>
-          </a:stretch>
-        </p:blipFill>
-        <p:spPr>
-          <a:xfrm>
-            <a:off x="7058025" y="3536315"/>
-            <a:ext cx="2523490" cy="2640965"/>
+      <p:sp>
+        <p:nvSpPr>
+          <p:cNvPr id="15" name="Oval 14"/>
+          <p:cNvSpPr/>
+          <p:nvPr/>
+        </p:nvSpPr>
+        <p:spPr>
+          <a:xfrm>
+            <a:off x="5053330" y="5055870"/>
+            <a:ext cx="1585595" cy="1628140"/>
+          </a:xfrm>
+          <a:prstGeom prst="ellipse">
+            <a:avLst/>
+          </a:prstGeom>
+          <a:solidFill>
+            <a:srgbClr val="7D7DA2"/>
+          </a:solidFill>
+          <a:ln>
+            <a:noFill/>
+          </a:ln>
+        </p:spPr>
+        <p:style>
+          <a:lnRef idx="2">
+            <a:schemeClr val="accent1">
+              <a:shade val="50000"/>
+            </a:schemeClr>
+          </a:lnRef>
+          <a:fillRef idx="1">
+            <a:schemeClr val="accent1"/>
+          </a:fillRef>
+          <a:effectRef idx="0">
+            <a:schemeClr val="accent1"/>
+          </a:effectRef>
+          <a:fontRef idx="minor">
+            <a:schemeClr val="lt1"/>
+          </a:fontRef>
+        </p:style>
+        <p:txBody>
+          <a:bodyPr rtlCol="0" anchor="ctr"/>
+          <a:p>
+            <a:pPr algn="ctr"/>
+            <a:endParaRPr lang="en-US"/>
+          </a:p>
+        </p:txBody>
+      </p:sp>
+      <p:sp>
+        <p:nvSpPr>
+          <p:cNvPr id="17" name="Rectangles 16"/>
+          <p:cNvSpPr/>
+          <p:nvPr/>
+        </p:nvSpPr>
+        <p:spPr>
+          <a:xfrm>
+            <a:off x="7483475" y="4876800"/>
+            <a:ext cx="1085850" cy="1363345"/>
           </a:xfrm>
           <a:prstGeom prst="rect">
             <a:avLst/>
           </a:prstGeom>
-        </p:spPr>
-      </p:pic>
+          <a:solidFill>
+            <a:schemeClr val="bg1"/>
+          </a:solidFill>
+          <a:ln>
+            <a:noFill/>
+          </a:ln>
+        </p:spPr>
+        <p:style>
+          <a:lnRef idx="2">
+            <a:schemeClr val="accent1">
+              <a:shade val="50000"/>
+            </a:schemeClr>
+          </a:lnRef>
+          <a:fillRef idx="1">
+            <a:schemeClr val="accent1"/>
+          </a:fillRef>
+          <a:effectRef idx="0">
+            <a:schemeClr val="accent1"/>
+          </a:effectRef>
+          <a:fontRef idx="minor">
+            <a:schemeClr val="lt1"/>
+          </a:fontRef>
+        </p:style>
+        <p:txBody>
+          <a:bodyPr rtlCol="0" anchor="ctr"/>
+          <a:p>
+            <a:pPr algn="ctr"/>
+            <a:endParaRPr lang="en-US"/>
+          </a:p>
+        </p:txBody>
+      </p:sp>
     </p:spTree>
   </p:cSld>
   <p:clrMapOvr>
@@ -5860,629 +6427,13 @@
       <p:grpSpPr/>
       <p:sp>
         <p:nvSpPr>
-          <p:cNvPr id="2" name="Title 1"/>
-          <p:cNvSpPr>
-            <a:spLocks noGrp="1"/>
-          </p:cNvSpPr>
-          <p:nvPr>
-            <p:ph type="title"/>
-          </p:nvPr>
-        </p:nvSpPr>
-        <p:spPr>
-          <a:xfrm>
-            <a:off x="838200" y="156845"/>
-            <a:ext cx="10515600" cy="1325563"/>
-          </a:xfrm>
-        </p:spPr>
-        <p:txBody>
-          <a:bodyPr/>
-          <a:p>
-            <a:r>
-              <a:rPr lang="bg-BG" sz="6600">
-                <a:latin typeface="Sylfaen" panose="010A0502050306030303" charset="0"/>
-                <a:cs typeface="Sylfaen" panose="010A0502050306030303" charset="0"/>
-              </a:rPr>
-              <a:t>Процес на работа</a:t>
-            </a:r>
-            <a:endParaRPr lang="bg-BG" sz="6600">
-              <a:latin typeface="Sylfaen" panose="010A0502050306030303" charset="0"/>
-              <a:cs typeface="Sylfaen" panose="010A0502050306030303" charset="0"/>
-            </a:endParaRPr>
-          </a:p>
-        </p:txBody>
-      </p:sp>
-      <p:sp>
-        <p:nvSpPr>
-          <p:cNvPr id="3" name="Content Placeholder 2"/>
-          <p:cNvSpPr>
-            <a:spLocks noGrp="1"/>
-          </p:cNvSpPr>
-          <p:nvPr>
-            <p:ph sz="half" idx="1"/>
-          </p:nvPr>
-        </p:nvSpPr>
-        <p:spPr>
-          <a:xfrm>
-            <a:off x="1689735" y="1637030"/>
-            <a:ext cx="6341110" cy="3017520"/>
-          </a:xfrm>
-        </p:spPr>
-        <p:txBody>
-          <a:bodyPr>
-            <a:normAutofit lnSpcReduction="10000"/>
-          </a:bodyPr>
-          <a:p>
-            <a:r>
-              <a:rPr lang="bg-BG" altLang="en-US">
-                <a:latin typeface="Sylfaen" panose="010A0502050306030303" charset="0"/>
-                <a:cs typeface="Sylfaen" panose="010A0502050306030303" charset="0"/>
-                <a:sym typeface="+mn-ea"/>
-              </a:rPr>
-              <a:t>Ина - арт и дизайн</a:t>
-            </a:r>
-            <a:endParaRPr lang="bg-BG" altLang="en-US">
-              <a:latin typeface="Sylfaen" panose="010A0502050306030303" charset="0"/>
-              <a:cs typeface="Sylfaen" panose="010A0502050306030303" charset="0"/>
-            </a:endParaRPr>
-          </a:p>
-          <a:p>
-            <a:r>
-              <a:rPr lang="bg-BG" altLang="en-US">
-                <a:latin typeface="Sylfaen" panose="010A0502050306030303" charset="0"/>
-                <a:cs typeface="Sylfaen" panose="010A0502050306030303" charset="0"/>
-              </a:rPr>
-              <a:t>Никол - код за ниво 1</a:t>
-            </a:r>
-            <a:endParaRPr lang="bg-BG" altLang="en-US">
-              <a:latin typeface="Sylfaen" panose="010A0502050306030303" charset="0"/>
-              <a:cs typeface="Sylfaen" panose="010A0502050306030303" charset="0"/>
-            </a:endParaRPr>
-          </a:p>
-          <a:p>
-            <a:r>
-              <a:rPr lang="bg-BG" altLang="en-US">
-                <a:latin typeface="Sylfaen" panose="010A0502050306030303" charset="0"/>
-                <a:cs typeface="Sylfaen" panose="010A0502050306030303" charset="0"/>
-              </a:rPr>
-              <a:t>Милена - код за ниво 2</a:t>
-            </a:r>
-            <a:endParaRPr lang="bg-BG" altLang="en-US">
-              <a:latin typeface="Sylfaen" panose="010A0502050306030303" charset="0"/>
-              <a:cs typeface="Sylfaen" panose="010A0502050306030303" charset="0"/>
-            </a:endParaRPr>
-          </a:p>
-          <a:p>
-            <a:r>
-              <a:rPr lang="bg-BG" altLang="en-US">
-                <a:latin typeface="Sylfaen" panose="010A0502050306030303" charset="0"/>
-                <a:cs typeface="Sylfaen" panose="010A0502050306030303" charset="0"/>
-              </a:rPr>
-              <a:t>Кристин - код за ниво 3</a:t>
-            </a:r>
-            <a:endParaRPr lang="bg-BG" altLang="en-US">
-              <a:latin typeface="Sylfaen" panose="010A0502050306030303" charset="0"/>
-              <a:cs typeface="Sylfaen" panose="010A0502050306030303" charset="0"/>
-            </a:endParaRPr>
-          </a:p>
-          <a:p>
-            <a:r>
-              <a:rPr lang="bg-BG" altLang="en-US">
-                <a:latin typeface="Sylfaen" panose="010A0502050306030303" charset="0"/>
-                <a:cs typeface="Sylfaen" panose="010A0502050306030303" charset="0"/>
-              </a:rPr>
-              <a:t>Мая - код за ниво 4</a:t>
-            </a:r>
-            <a:endParaRPr lang="en-US" altLang="bg-BG">
-              <a:latin typeface="Sylfaen" panose="010A0502050306030303" charset="0"/>
-              <a:cs typeface="Sylfaen" panose="010A0502050306030303" charset="0"/>
-            </a:endParaRPr>
-          </a:p>
-        </p:txBody>
-      </p:sp>
-      <p:pic>
-        <p:nvPicPr>
-          <p:cNvPr id="16" name="Content Placeholder 15" descr="istockphoto-480343446-612x612"/>
-          <p:cNvPicPr>
-            <a:picLocks noChangeAspect="1"/>
-          </p:cNvPicPr>
-          <p:nvPr>
-            <p:ph sz="half" idx="2"/>
-          </p:nvPr>
-        </p:nvPicPr>
-        <p:blipFill>
-          <a:blip r:embed="rId1"/>
-          <a:srcRect r="45223" b="55800"/>
-          <a:stretch>
-            <a:fillRect/>
-          </a:stretch>
-        </p:blipFill>
-        <p:spPr>
-          <a:xfrm>
-            <a:off x="6410325" y="3053715"/>
-            <a:ext cx="2432050" cy="2002155"/>
-          </a:xfrm>
-          <a:prstGeom prst="rect">
-            <a:avLst/>
-          </a:prstGeom>
-        </p:spPr>
-      </p:pic>
-      <p:sp>
-        <p:nvSpPr>
-          <p:cNvPr id="6" name="Rectangles 5"/>
-          <p:cNvSpPr/>
-          <p:nvPr/>
-        </p:nvSpPr>
-        <p:spPr>
-          <a:xfrm>
-            <a:off x="9455150" y="-356235"/>
-            <a:ext cx="2118995" cy="5547360"/>
-          </a:xfrm>
-          <a:prstGeom prst="rect">
-            <a:avLst/>
-          </a:prstGeom>
-          <a:solidFill>
-            <a:srgbClr val="6B6B95"/>
-          </a:solidFill>
-          <a:ln>
-            <a:noFill/>
-          </a:ln>
-        </p:spPr>
-        <p:style>
-          <a:lnRef idx="2">
-            <a:schemeClr val="accent1">
-              <a:shade val="50000"/>
-            </a:schemeClr>
-          </a:lnRef>
-          <a:fillRef idx="1">
-            <a:schemeClr val="accent1"/>
-          </a:fillRef>
-          <a:effectRef idx="0">
-            <a:schemeClr val="accent1"/>
-          </a:effectRef>
-          <a:fontRef idx="minor">
-            <a:schemeClr val="lt1"/>
-          </a:fontRef>
-        </p:style>
-        <p:txBody>
-          <a:bodyPr rtlCol="0" anchor="ctr"/>
-          <a:p>
-            <a:pPr algn="ctr"/>
-            <a:endParaRPr lang="en-US"/>
-          </a:p>
-        </p:txBody>
-      </p:sp>
-      <p:sp>
-        <p:nvSpPr>
-          <p:cNvPr id="7" name="Rectangles 6"/>
-          <p:cNvSpPr/>
-          <p:nvPr/>
-        </p:nvSpPr>
-        <p:spPr>
-          <a:xfrm>
-            <a:off x="11094720" y="-726440"/>
-            <a:ext cx="1384300" cy="4555490"/>
-          </a:xfrm>
-          <a:prstGeom prst="rect">
-            <a:avLst/>
-          </a:prstGeom>
-          <a:solidFill>
-            <a:srgbClr val="6B6B95"/>
-          </a:solidFill>
-          <a:ln>
-            <a:noFill/>
-          </a:ln>
-        </p:spPr>
-        <p:style>
-          <a:lnRef idx="2">
-            <a:schemeClr val="accent1">
-              <a:shade val="50000"/>
-            </a:schemeClr>
-          </a:lnRef>
-          <a:fillRef idx="1">
-            <a:schemeClr val="accent1"/>
-          </a:fillRef>
-          <a:effectRef idx="0">
-            <a:schemeClr val="accent1"/>
-          </a:effectRef>
-          <a:fontRef idx="minor">
-            <a:schemeClr val="lt1"/>
-          </a:fontRef>
-        </p:style>
-        <p:txBody>
-          <a:bodyPr rtlCol="0" anchor="ctr"/>
-          <a:p>
-            <a:pPr algn="ctr"/>
-            <a:endParaRPr lang="en-US"/>
-          </a:p>
-        </p:txBody>
-      </p:sp>
-      <p:sp>
-        <p:nvSpPr>
-          <p:cNvPr id="8" name="Rectangles 7"/>
-          <p:cNvSpPr/>
-          <p:nvPr/>
-        </p:nvSpPr>
-        <p:spPr>
-          <a:xfrm>
-            <a:off x="448310" y="5513705"/>
-            <a:ext cx="5962015" cy="1842135"/>
-          </a:xfrm>
-          <a:prstGeom prst="rect">
-            <a:avLst/>
-          </a:prstGeom>
-          <a:solidFill>
-            <a:srgbClr val="A8A8CB"/>
-          </a:solidFill>
-          <a:ln>
-            <a:noFill/>
-          </a:ln>
-        </p:spPr>
-        <p:style>
-          <a:lnRef idx="2">
-            <a:schemeClr val="accent1">
-              <a:shade val="50000"/>
-            </a:schemeClr>
-          </a:lnRef>
-          <a:fillRef idx="1">
-            <a:schemeClr val="accent1"/>
-          </a:fillRef>
-          <a:effectRef idx="0">
-            <a:schemeClr val="accent1"/>
-          </a:effectRef>
-          <a:fontRef idx="minor">
-            <a:schemeClr val="lt1"/>
-          </a:fontRef>
-        </p:style>
-        <p:txBody>
-          <a:bodyPr rtlCol="0" anchor="ctr"/>
-          <a:p>
-            <a:pPr algn="ctr"/>
-            <a:endParaRPr lang="en-US"/>
-          </a:p>
-        </p:txBody>
-      </p:sp>
-      <p:sp>
-        <p:nvSpPr>
-          <p:cNvPr id="9" name="Rectangles 8"/>
-          <p:cNvSpPr/>
-          <p:nvPr/>
-        </p:nvSpPr>
-        <p:spPr>
-          <a:xfrm>
-            <a:off x="1320165" y="4916805"/>
-            <a:ext cx="3279140" cy="1096645"/>
-          </a:xfrm>
-          <a:prstGeom prst="rect">
-            <a:avLst/>
-          </a:prstGeom>
-          <a:solidFill>
-            <a:srgbClr val="A8A8CB"/>
-          </a:solidFill>
-          <a:ln>
-            <a:noFill/>
-          </a:ln>
-        </p:spPr>
-        <p:style>
-          <a:lnRef idx="2">
-            <a:schemeClr val="accent1">
-              <a:shade val="50000"/>
-            </a:schemeClr>
-          </a:lnRef>
-          <a:fillRef idx="1">
-            <a:schemeClr val="accent1"/>
-          </a:fillRef>
-          <a:effectRef idx="0">
-            <a:schemeClr val="accent1"/>
-          </a:effectRef>
-          <a:fontRef idx="minor">
-            <a:schemeClr val="lt1"/>
-          </a:fontRef>
-        </p:style>
-        <p:txBody>
-          <a:bodyPr rtlCol="0" anchor="ctr"/>
-          <a:p>
-            <a:pPr algn="ctr"/>
-            <a:endParaRPr lang="en-US"/>
-          </a:p>
-        </p:txBody>
-      </p:sp>
-      <p:sp>
-        <p:nvSpPr>
-          <p:cNvPr id="10" name="Rectangles 9"/>
-          <p:cNvSpPr/>
-          <p:nvPr/>
-        </p:nvSpPr>
-        <p:spPr>
-          <a:xfrm>
-            <a:off x="723900" y="5821680"/>
-            <a:ext cx="5344795" cy="1816735"/>
-          </a:xfrm>
-          <a:prstGeom prst="rect">
-            <a:avLst/>
-          </a:prstGeom>
-          <a:solidFill>
-            <a:srgbClr val="CACAF4"/>
-          </a:solidFill>
-          <a:ln>
-            <a:noFill/>
-          </a:ln>
-        </p:spPr>
-        <p:style>
-          <a:lnRef idx="2">
-            <a:schemeClr val="accent1">
-              <a:shade val="50000"/>
-            </a:schemeClr>
-          </a:lnRef>
-          <a:fillRef idx="1">
-            <a:schemeClr val="accent1"/>
-          </a:fillRef>
-          <a:effectRef idx="0">
-            <a:schemeClr val="accent1"/>
-          </a:effectRef>
-          <a:fontRef idx="minor">
-            <a:schemeClr val="lt1"/>
-          </a:fontRef>
-        </p:style>
-        <p:txBody>
-          <a:bodyPr rtlCol="0" anchor="ctr"/>
-          <a:p>
-            <a:pPr algn="ctr"/>
-            <a:endParaRPr lang="en-US"/>
-          </a:p>
-        </p:txBody>
-      </p:sp>
-      <p:sp>
-        <p:nvSpPr>
-          <p:cNvPr id="12" name="Rectangles 11"/>
-          <p:cNvSpPr/>
-          <p:nvPr/>
-        </p:nvSpPr>
-        <p:spPr>
-          <a:xfrm>
-            <a:off x="9806305" y="-517525"/>
-            <a:ext cx="1416050" cy="5291455"/>
-          </a:xfrm>
-          <a:prstGeom prst="rect">
-            <a:avLst/>
-          </a:prstGeom>
-          <a:solidFill>
-            <a:srgbClr val="9797B4"/>
-          </a:solidFill>
-          <a:ln>
-            <a:noFill/>
-          </a:ln>
-        </p:spPr>
-        <p:style>
-          <a:lnRef idx="2">
-            <a:schemeClr val="accent1">
-              <a:shade val="50000"/>
-            </a:schemeClr>
-          </a:lnRef>
-          <a:fillRef idx="1">
-            <a:schemeClr val="accent1"/>
-          </a:fillRef>
-          <a:effectRef idx="0">
-            <a:schemeClr val="accent1"/>
-          </a:effectRef>
-          <a:fontRef idx="minor">
-            <a:schemeClr val="lt1"/>
-          </a:fontRef>
-        </p:style>
-        <p:txBody>
-          <a:bodyPr rtlCol="0" anchor="ctr"/>
-          <a:p>
-            <a:pPr algn="ctr"/>
-            <a:endParaRPr lang="en-US"/>
-          </a:p>
-        </p:txBody>
-      </p:sp>
-      <p:sp>
-        <p:nvSpPr>
-          <p:cNvPr id="13" name="Rectangles 12"/>
-          <p:cNvSpPr/>
-          <p:nvPr/>
-        </p:nvSpPr>
-        <p:spPr>
-          <a:xfrm>
-            <a:off x="10913745" y="-624205"/>
-            <a:ext cx="1660525" cy="4184015"/>
-          </a:xfrm>
-          <a:prstGeom prst="rect">
-            <a:avLst/>
-          </a:prstGeom>
-          <a:solidFill>
-            <a:srgbClr val="9797B4"/>
-          </a:solidFill>
-          <a:ln>
-            <a:noFill/>
-          </a:ln>
-        </p:spPr>
-        <p:style>
-          <a:lnRef idx="2">
-            <a:schemeClr val="accent1">
-              <a:shade val="50000"/>
-            </a:schemeClr>
-          </a:lnRef>
-          <a:fillRef idx="1">
-            <a:schemeClr val="accent1"/>
-          </a:fillRef>
-          <a:effectRef idx="0">
-            <a:schemeClr val="accent1"/>
-          </a:effectRef>
-          <a:fontRef idx="minor">
-            <a:schemeClr val="lt1"/>
-          </a:fontRef>
-        </p:style>
-        <p:txBody>
-          <a:bodyPr rtlCol="0" anchor="ctr"/>
-          <a:p>
-            <a:pPr algn="ctr"/>
-            <a:endParaRPr lang="en-US"/>
-          </a:p>
-        </p:txBody>
-      </p:sp>
-      <p:sp>
-        <p:nvSpPr>
-          <p:cNvPr id="14" name="Oval 13"/>
-          <p:cNvSpPr/>
-          <p:nvPr/>
-        </p:nvSpPr>
-        <p:spPr>
-          <a:xfrm>
-            <a:off x="8569325" y="674370"/>
-            <a:ext cx="2279015" cy="2225675"/>
-          </a:xfrm>
-          <a:prstGeom prst="ellipse">
-            <a:avLst/>
-          </a:prstGeom>
-          <a:solidFill>
-            <a:srgbClr val="7D7DA2"/>
-          </a:solidFill>
-          <a:ln>
-            <a:noFill/>
-          </a:ln>
-        </p:spPr>
-        <p:style>
-          <a:lnRef idx="2">
-            <a:schemeClr val="accent1">
-              <a:shade val="50000"/>
-            </a:schemeClr>
-          </a:lnRef>
-          <a:fillRef idx="1">
-            <a:schemeClr val="accent1"/>
-          </a:fillRef>
-          <a:effectRef idx="0">
-            <a:schemeClr val="accent1"/>
-          </a:effectRef>
-          <a:fontRef idx="minor">
-            <a:schemeClr val="lt1"/>
-          </a:fontRef>
-        </p:style>
-        <p:txBody>
-          <a:bodyPr rtlCol="0" anchor="ctr"/>
-          <a:p>
-            <a:pPr algn="ctr"/>
-            <a:endParaRPr lang="en-US"/>
-          </a:p>
-        </p:txBody>
-      </p:sp>
-      <p:sp>
-        <p:nvSpPr>
-          <p:cNvPr id="15" name="Oval 14"/>
-          <p:cNvSpPr/>
-          <p:nvPr/>
-        </p:nvSpPr>
-        <p:spPr>
-          <a:xfrm>
-            <a:off x="5053330" y="5055870"/>
-            <a:ext cx="1585595" cy="1628140"/>
-          </a:xfrm>
-          <a:prstGeom prst="ellipse">
-            <a:avLst/>
-          </a:prstGeom>
-          <a:solidFill>
-            <a:srgbClr val="7D7DA2"/>
-          </a:solidFill>
-          <a:ln>
-            <a:noFill/>
-          </a:ln>
-        </p:spPr>
-        <p:style>
-          <a:lnRef idx="2">
-            <a:schemeClr val="accent1">
-              <a:shade val="50000"/>
-            </a:schemeClr>
-          </a:lnRef>
-          <a:fillRef idx="1">
-            <a:schemeClr val="accent1"/>
-          </a:fillRef>
-          <a:effectRef idx="0">
-            <a:schemeClr val="accent1"/>
-          </a:effectRef>
-          <a:fontRef idx="minor">
-            <a:schemeClr val="lt1"/>
-          </a:fontRef>
-        </p:style>
-        <p:txBody>
-          <a:bodyPr rtlCol="0" anchor="ctr"/>
-          <a:p>
-            <a:pPr algn="ctr"/>
-            <a:endParaRPr lang="en-US"/>
-          </a:p>
-        </p:txBody>
-      </p:sp>
-      <p:sp>
-        <p:nvSpPr>
-          <p:cNvPr id="17" name="Rectangles 16"/>
-          <p:cNvSpPr/>
-          <p:nvPr/>
-        </p:nvSpPr>
-        <p:spPr>
-          <a:xfrm>
-            <a:off x="7483475" y="4876800"/>
-            <a:ext cx="1085850" cy="1363345"/>
-          </a:xfrm>
-          <a:prstGeom prst="rect">
-            <a:avLst/>
-          </a:prstGeom>
-          <a:solidFill>
-            <a:schemeClr val="bg1"/>
-          </a:solidFill>
-          <a:ln>
-            <a:noFill/>
-          </a:ln>
-        </p:spPr>
-        <p:style>
-          <a:lnRef idx="2">
-            <a:schemeClr val="accent1">
-              <a:shade val="50000"/>
-            </a:schemeClr>
-          </a:lnRef>
-          <a:fillRef idx="1">
-            <a:schemeClr val="accent1"/>
-          </a:fillRef>
-          <a:effectRef idx="0">
-            <a:schemeClr val="accent1"/>
-          </a:effectRef>
-          <a:fontRef idx="minor">
-            <a:schemeClr val="lt1"/>
-          </a:fontRef>
-        </p:style>
-        <p:txBody>
-          <a:bodyPr rtlCol="0" anchor="ctr"/>
-          <a:p>
-            <a:pPr algn="ctr"/>
-            <a:endParaRPr lang="en-US"/>
-          </a:p>
-        </p:txBody>
-      </p:sp>
-    </p:spTree>
-  </p:cSld>
-  <p:clrMapOvr>
-    <a:masterClrMapping/>
-  </p:clrMapOvr>
-</p:sld>
-</file>
-
-<file path=ppt/slides/slide9.xml><?xml version="1.0" encoding="utf-8"?>
-<p:sld xmlns:a="http://schemas.openxmlformats.org/drawingml/2006/main" xmlns:r="http://schemas.openxmlformats.org/officeDocument/2006/relationships" xmlns:p="http://schemas.openxmlformats.org/presentationml/2006/main">
-  <p:cSld>
-    <p:spTree>
-      <p:nvGrpSpPr>
-        <p:cNvPr id="1" name=""/>
-        <p:cNvGrpSpPr/>
-        <p:nvPr/>
-      </p:nvGrpSpPr>
-      <p:grpSpPr/>
-      <p:sp>
-        <p:nvSpPr>
           <p:cNvPr id="16" name="Oval 15"/>
           <p:cNvSpPr/>
           <p:nvPr/>
         </p:nvSpPr>
         <p:spPr>
           <a:xfrm>
-            <a:off x="7099935" y="1969770"/>
+            <a:off x="7476490" y="2828925"/>
             <a:ext cx="5362575" cy="5146675"/>
           </a:xfrm>
           <a:prstGeom prst="ellipse">
@@ -6579,19 +6530,21 @@
         </p:nvSpPr>
         <p:spPr>
           <a:xfrm>
-            <a:off x="709295" y="278765"/>
-            <a:ext cx="8810625" cy="1325880"/>
-          </a:xfrm>
-        </p:spPr>
-        <p:txBody>
-          <a:bodyPr/>
+            <a:off x="3898265" y="643890"/>
+            <a:ext cx="4395470" cy="1325880"/>
+          </a:xfrm>
+        </p:spPr>
+        <p:txBody>
+          <a:bodyPr>
+            <a:normAutofit fontScale="90000"/>
+          </a:bodyPr>
           <a:p>
             <a:r>
               <a:rPr lang="bg-BG" altLang="en-US" sz="6600">
                 <a:latin typeface="Sylfaen" panose="010A0502050306030303" charset="0"/>
                 <a:cs typeface="Sylfaen" panose="010A0502050306030303" charset="0"/>
               </a:rPr>
-              <a:t>Нашето преживяване</a:t>
+              <a:t>Защо ТУЕС</a:t>
             </a:r>
             <a:endParaRPr lang="bg-BG" altLang="en-US" sz="6600">
               <a:latin typeface="Sylfaen" panose="010A0502050306030303" charset="0"/>
@@ -6612,14 +6565,14 @@
         </p:nvSpPr>
         <p:spPr>
           <a:xfrm>
-            <a:off x="5758815" y="1858010"/>
+            <a:off x="5880735" y="1969770"/>
             <a:ext cx="5181600" cy="4351338"/>
           </a:xfrm>
         </p:spPr>
         <p:txBody>
           <a:bodyPr/>
           <a:p>
-            <a:endParaRPr lang="bg-BG">
+            <a:endParaRPr lang="bg-BG" altLang="bg-BG">
               <a:latin typeface="Sylfaen" panose="010A0502050306030303" charset="0"/>
               <a:cs typeface="Sylfaen" panose="010A0502050306030303" charset="0"/>
             </a:endParaRPr>
@@ -6715,6 +6668,111 @@
       </p:transition>
     </mc:Fallback>
   </mc:AlternateContent>
+</p:sld>
+</file>
+
+<file path=ppt/slides/slide9.xml><?xml version="1.0" encoding="utf-8"?>
+<p:sld xmlns:a="http://schemas.openxmlformats.org/drawingml/2006/main" xmlns:r="http://schemas.openxmlformats.org/officeDocument/2006/relationships" xmlns:p="http://schemas.openxmlformats.org/presentationml/2006/main">
+  <p:cSld>
+    <p:bg>
+      <p:bgPr>
+        <a:solidFill>
+          <a:srgbClr val="F8BE42"/>
+        </a:solidFill>
+        <a:effectLst/>
+      </p:bgPr>
+    </p:bg>
+    <p:spTree>
+      <p:nvGrpSpPr>
+        <p:cNvPr id="1" name=""/>
+        <p:cNvGrpSpPr/>
+        <p:nvPr/>
+      </p:nvGrpSpPr>
+      <p:grpSpPr/>
+      <p:pic>
+        <p:nvPicPr>
+          <p:cNvPr id="5" name="Content Placeholder 4" descr="hamser-meme-hamster"/>
+          <p:cNvPicPr>
+            <a:picLocks noChangeAspect="1"/>
+          </p:cNvPicPr>
+          <p:nvPr>
+            <p:ph sz="half" idx="1"/>
+          </p:nvPr>
+        </p:nvPicPr>
+        <p:blipFill>
+          <a:blip r:embed="rId1"/>
+          <a:stretch>
+            <a:fillRect/>
+          </a:stretch>
+        </p:blipFill>
+        <p:spPr>
+          <a:xfrm>
+            <a:off x="874395" y="2529205"/>
+            <a:ext cx="3511550" cy="3432175"/>
+          </a:xfrm>
+          <a:prstGeom prst="rect">
+            <a:avLst/>
+          </a:prstGeom>
+        </p:spPr>
+      </p:pic>
+      <p:sp>
+        <p:nvSpPr>
+          <p:cNvPr id="2" name="Title 1"/>
+          <p:cNvSpPr>
+            <a:spLocks noGrp="1"/>
+          </p:cNvSpPr>
+          <p:nvPr>
+            <p:ph type="title"/>
+          </p:nvPr>
+        </p:nvSpPr>
+        <p:spPr>
+          <a:xfrm>
+            <a:off x="3152775" y="2766060"/>
+            <a:ext cx="5885815" cy="1325880"/>
+          </a:xfrm>
+        </p:spPr>
+        <p:txBody>
+          <a:bodyPr>
+            <a:noAutofit/>
+          </a:bodyPr>
+          <a:p>
+            <a:r>
+              <a:rPr lang="en-US" altLang="en-US" sz="8800">
+                <a:latin typeface="Sylfaen" panose="010A0502050306030303" charset="0"/>
+                <a:cs typeface="Sylfaen" panose="010A0502050306030303" charset="0"/>
+              </a:rPr>
+              <a:t>Live Demo </a:t>
+            </a:r>
+            <a:endParaRPr lang="en-US" altLang="en-US" sz="8800">
+              <a:latin typeface="Sylfaen" panose="010A0502050306030303" charset="0"/>
+              <a:cs typeface="Sylfaen" panose="010A0502050306030303" charset="0"/>
+            </a:endParaRPr>
+          </a:p>
+        </p:txBody>
+      </p:sp>
+      <p:sp>
+        <p:nvSpPr>
+          <p:cNvPr id="4" name="Content Placeholder 3"/>
+          <p:cNvSpPr>
+            <a:spLocks noGrp="1"/>
+          </p:cNvSpPr>
+          <p:nvPr>
+            <p:ph sz="half" idx="2"/>
+          </p:nvPr>
+        </p:nvSpPr>
+        <p:spPr/>
+        <p:txBody>
+          <a:bodyPr/>
+          <a:p>
+            <a:endParaRPr lang="en-US"/>
+          </a:p>
+        </p:txBody>
+      </p:sp>
+    </p:spTree>
+  </p:cSld>
+  <p:clrMapOvr>
+    <a:masterClrMapping/>
+  </p:clrMapOvr>
 </p:sld>
 </file>
 
